--- a/slide PTTK Hệ thống quản lý dự án.pptx
+++ b/slide PTTK Hệ thống quản lý dự án.pptx
@@ -225,7 +225,7 @@
           <a:p>
             <a:fld id="{628A3A3B-E0B5-44F3-8F4C-583313DDBE81}" type="datetimeFigureOut">
               <a:rPr lang="en-US" smtClean="0"/>
-              <a:t>19-May-19</a:t>
+              <a:t>20-May-19</a:t>
             </a:fld>
             <a:endParaRPr lang="en-US"/>
           </a:p>
@@ -402,7 +402,7 @@
           <a:p>
             <a:fld id="{5E23F2B0-8738-4E11-A672-392EEF21A4E5}" type="datetimeFigureOut">
               <a:rPr lang="en-US" smtClean="0"/>
-              <a:t>19-May-19</a:t>
+              <a:t>20-May-19</a:t>
             </a:fld>
             <a:endParaRPr lang="en-US"/>
           </a:p>
@@ -853,7 +853,7 @@
           <a:p>
             <a:fld id="{BCFED66A-06A8-4265-94DD-3C98BAFF86E7}" type="datetime1">
               <a:rPr lang="en-US" smtClean="0"/>
-              <a:t>19-May-19</a:t>
+              <a:t>20-May-19</a:t>
             </a:fld>
             <a:endParaRPr lang="en-US"/>
           </a:p>
@@ -1021,7 +1021,7 @@
           <a:p>
             <a:fld id="{1D1929A1-78B0-493C-8A66-7B81EF5CE106}" type="datetime1">
               <a:rPr lang="en-US" smtClean="0"/>
-              <a:t>19-May-19</a:t>
+              <a:t>20-May-19</a:t>
             </a:fld>
             <a:endParaRPr lang="en-US"/>
           </a:p>
@@ -1199,7 +1199,7 @@
           <a:p>
             <a:fld id="{5AD12A0B-B81F-4089-8EE5-464AF2241F08}" type="datetime1">
               <a:rPr lang="en-US" smtClean="0"/>
-              <a:t>19-May-19</a:t>
+              <a:t>20-May-19</a:t>
             </a:fld>
             <a:endParaRPr lang="en-US"/>
           </a:p>
@@ -1367,7 +1367,7 @@
           <a:p>
             <a:fld id="{47C83A46-4B42-4A96-930C-9B814EAF9FC5}" type="datetime1">
               <a:rPr lang="en-US" smtClean="0"/>
-              <a:t>19-May-19</a:t>
+              <a:t>20-May-19</a:t>
             </a:fld>
             <a:endParaRPr lang="en-US"/>
           </a:p>
@@ -1612,7 +1612,7 @@
           <a:p>
             <a:fld id="{970F3AC2-82C1-4A54-AAE9-00C97E442C74}" type="datetime1">
               <a:rPr lang="en-US" smtClean="0"/>
-              <a:t>19-May-19</a:t>
+              <a:t>20-May-19</a:t>
             </a:fld>
             <a:endParaRPr lang="en-US"/>
           </a:p>
@@ -1841,7 +1841,7 @@
           <a:p>
             <a:fld id="{7D7DCC0D-4855-4768-B750-6CC7F7166302}" type="datetime1">
               <a:rPr lang="en-US" smtClean="0"/>
-              <a:t>19-May-19</a:t>
+              <a:t>20-May-19</a:t>
             </a:fld>
             <a:endParaRPr lang="en-US"/>
           </a:p>
@@ -2205,7 +2205,7 @@
           <a:p>
             <a:fld id="{6BB00538-0D39-4136-A9CE-7AF729F4D69B}" type="datetime1">
               <a:rPr lang="en-US" smtClean="0"/>
-              <a:t>19-May-19</a:t>
+              <a:t>20-May-19</a:t>
             </a:fld>
             <a:endParaRPr lang="en-US"/>
           </a:p>
@@ -2314,7 +2314,7 @@
           <a:p>
             <a:fld id="{BAF82F36-6CC0-48AC-9685-F228D27329EE}" type="datetime1">
               <a:rPr lang="en-US" smtClean="0"/>
-              <a:t>19-May-19</a:t>
+              <a:t>20-May-19</a:t>
             </a:fld>
             <a:endParaRPr lang="en-US"/>
           </a:p>
@@ -2423,7 +2423,7 @@
           <a:p>
             <a:fld id="{E69F9463-2EDB-4F4D-B43C-EE5AF4F0C5C5}" type="datetime1">
               <a:rPr lang="en-US" smtClean="0"/>
-              <a:t>19-May-19</a:t>
+              <a:t>20-May-19</a:t>
             </a:fld>
             <a:endParaRPr lang="en-US"/>
           </a:p>
@@ -2698,7 +2698,7 @@
           <a:p>
             <a:fld id="{FED70197-F7F7-4D4E-8970-0B299D673D1D}" type="datetime1">
               <a:rPr lang="en-US" smtClean="0"/>
-              <a:t>19-May-19</a:t>
+              <a:t>20-May-19</a:t>
             </a:fld>
             <a:endParaRPr lang="en-US"/>
           </a:p>
@@ -2953,7 +2953,7 @@
           <a:p>
             <a:fld id="{948A302D-29AE-466C-A6C0-0D52B1FCF7AB}" type="datetime1">
               <a:rPr lang="en-US" smtClean="0"/>
-              <a:t>19-May-19</a:t>
+              <a:t>20-May-19</a:t>
             </a:fld>
             <a:endParaRPr lang="en-US"/>
           </a:p>
@@ -3173,7 +3173,7 @@
           <a:p>
             <a:fld id="{77C0F860-B3D0-4E92-A42E-F78DD393A0E9}" type="datetime1">
               <a:rPr lang="en-US" smtClean="0"/>
-              <a:t>19-May-19</a:t>
+              <a:t>20-May-19</a:t>
             </a:fld>
             <a:endParaRPr lang="en-US"/>
           </a:p>
@@ -6222,6 +6222,20 @@
                 <a:latin typeface="Arial" panose="020B0604020202020204" pitchFamily="34" charset="0"/>
                 <a:cs typeface="Arial" panose="020B0604020202020204" pitchFamily="34" charset="0"/>
               </a:rPr>
+              <a:t> chi </a:t>
+            </a:r>
+            <a:r>
+              <a:rPr lang="en-US" dirty="0" err="1">
+                <a:latin typeface="Arial" panose="020B0604020202020204" pitchFamily="34" charset="0"/>
+                <a:cs typeface="Arial" panose="020B0604020202020204" pitchFamily="34" charset="0"/>
+              </a:rPr>
+              <a:t>tiết</a:t>
+            </a:r>
+            <a:r>
+              <a:rPr lang="en-US" dirty="0">
+                <a:latin typeface="Arial" panose="020B0604020202020204" pitchFamily="34" charset="0"/>
+                <a:cs typeface="Arial" panose="020B0604020202020204" pitchFamily="34" charset="0"/>
+              </a:rPr>
               <a:t> c</a:t>
             </a:r>
             <a:r>
@@ -6271,34 +6285,6 @@
                 <a:cs typeface="Arial" panose="020B0604020202020204" pitchFamily="34" charset="0"/>
               </a:rPr>
               <a:t>liệu</a:t>
-            </a:r>
-            <a:r>
-              <a:rPr lang="en-US" dirty="0">
-                <a:latin typeface="Arial" panose="020B0604020202020204" pitchFamily="34" charset="0"/>
-                <a:cs typeface="Arial" panose="020B0604020202020204" pitchFamily="34" charset="0"/>
-              </a:rPr>
-              <a:t> </a:t>
-            </a:r>
-            <a:r>
-              <a:rPr lang="en-US" dirty="0" err="1">
-                <a:latin typeface="Arial" panose="020B0604020202020204" pitchFamily="34" charset="0"/>
-                <a:cs typeface="Arial" panose="020B0604020202020204" pitchFamily="34" charset="0"/>
-              </a:rPr>
-              <a:t>tổng</a:t>
-            </a:r>
-            <a:r>
-              <a:rPr lang="en-US" dirty="0">
-                <a:latin typeface="Arial" panose="020B0604020202020204" pitchFamily="34" charset="0"/>
-                <a:cs typeface="Arial" panose="020B0604020202020204" pitchFamily="34" charset="0"/>
-              </a:rPr>
-              <a:t> </a:t>
-            </a:r>
-            <a:r>
-              <a:rPr lang="en-US" dirty="0" err="1">
-                <a:latin typeface="Arial" panose="020B0604020202020204" pitchFamily="34" charset="0"/>
-                <a:cs typeface="Arial" panose="020B0604020202020204" pitchFamily="34" charset="0"/>
-              </a:rPr>
-              <a:t>quan</a:t>
             </a:r>
             <a:endParaRPr lang="en-US" dirty="0">
               <a:latin typeface="Arial" panose="020B0604020202020204" pitchFamily="34" charset="0"/>
@@ -7032,8 +7018,8 @@
         </p:nvSpPr>
         <p:spPr>
           <a:xfrm>
-            <a:off x="331304" y="2649603"/>
-            <a:ext cx="7275443" cy="4526449"/>
+            <a:off x="212035" y="1721950"/>
+            <a:ext cx="8026400" cy="4526449"/>
           </a:xfrm>
           <a:prstGeom prst="rect">
             <a:avLst/>
@@ -10055,14 +10041,16 @@
       </p:sp>
       <p:pic>
         <p:nvPicPr>
-          <p:cNvPr id="7" name="Picture 6" descr="A picture containing text, map&#10;&#10;Description automatically generated">
+          <p:cNvPr id="5" name="Picture 4" descr="A close up of text on a white background&#10;&#10;Description automatically generated">
             <a:extLst>
               <a:ext uri="{FF2B5EF4-FFF2-40B4-BE49-F238E27FC236}">
-                <a16:creationId xmlns:a16="http://schemas.microsoft.com/office/drawing/2014/main" id="{6DD5A2F7-88C5-4B4D-9B75-B619EDFE8C13}"/>
+                <a16:creationId xmlns:a16="http://schemas.microsoft.com/office/drawing/2014/main" id="{864F626B-30E6-465C-8A99-9DAAFE6BBD91}"/>
               </a:ext>
             </a:extLst>
           </p:cNvPr>
-          <p:cNvPicPr/>
+          <p:cNvPicPr>
+            <a:picLocks noChangeAspect="1"/>
+          </p:cNvPicPr>
           <p:nvPr/>
         </p:nvPicPr>
         <p:blipFill>
@@ -10079,8 +10067,8 @@
         </p:blipFill>
         <p:spPr>
           <a:xfrm>
-            <a:off x="488950" y="1889126"/>
-            <a:ext cx="7687641" cy="4467225"/>
+            <a:off x="0" y="1248232"/>
+            <a:ext cx="9144000" cy="5609768"/>
           </a:xfrm>
           <a:prstGeom prst="rect">
             <a:avLst/>
@@ -10399,14 +10387,16 @@
       </p:sp>
       <p:pic>
         <p:nvPicPr>
-          <p:cNvPr id="6" name="Picture 5" descr="A screenshot of a cell phone&#10;&#10;Description automatically generated">
+          <p:cNvPr id="5" name="Picture 4" descr="A screenshot of a social media post&#10;&#10;Description automatically generated">
             <a:extLst>
               <a:ext uri="{FF2B5EF4-FFF2-40B4-BE49-F238E27FC236}">
-                <a16:creationId xmlns:a16="http://schemas.microsoft.com/office/drawing/2014/main" id="{65C798A7-607E-4933-A8B1-4A18DD70B4A5}"/>
+                <a16:creationId xmlns:a16="http://schemas.microsoft.com/office/drawing/2014/main" id="{5FF31BC7-5419-4EA5-828C-4C9D95C350A7}"/>
               </a:ext>
             </a:extLst>
           </p:cNvPr>
-          <p:cNvPicPr/>
+          <p:cNvPicPr>
+            <a:picLocks noChangeAspect="1"/>
+          </p:cNvPicPr>
           <p:nvPr/>
         </p:nvPicPr>
         <p:blipFill>
@@ -10423,8 +10413,8 @@
         </p:blipFill>
         <p:spPr>
           <a:xfrm>
-            <a:off x="-1" y="1113182"/>
-            <a:ext cx="9488557" cy="5963479"/>
+            <a:off x="119271" y="1130296"/>
+            <a:ext cx="9024730" cy="5591180"/>
           </a:xfrm>
           <a:prstGeom prst="rect">
             <a:avLst/>
